--- a/最終回/コーディング講座 最終回.pptx
+++ b/最終回/コーディング講座 最終回.pptx
@@ -27,7 +27,8 @@
     <p:sldId id="277" r:id="rId21"/>
     <p:sldId id="278" r:id="rId22"/>
     <p:sldId id="279" r:id="rId23"/>
-    <p:sldId id="271" r:id="rId24"/>
+    <p:sldId id="280" r:id="rId24"/>
+    <p:sldId id="281" r:id="rId25"/>
   </p:sldIdLst>
   <p:sldSz cx="12192000" cy="6858000"/>
   <p:notesSz cx="6858000" cy="9144000"/>
@@ -879,7 +880,7 @@
           <a:p>
             <a:fld id="{758B9292-117B-40DE-9116-9B57CD567806}" type="datetimeFigureOut">
               <a:rPr kumimoji="1" lang="ja-JP" altLang="en-US" smtClean="0"/>
-              <a:t>2019/6/30</a:t>
+              <a:t>2019/7/7</a:t>
             </a:fld>
             <a:endParaRPr kumimoji="1" lang="ja-JP" altLang="en-US"/>
           </a:p>
@@ -1130,7 +1131,7 @@
           <a:p>
             <a:fld id="{758B9292-117B-40DE-9116-9B57CD567806}" type="datetimeFigureOut">
               <a:rPr kumimoji="1" lang="ja-JP" altLang="en-US" smtClean="0"/>
-              <a:t>2019/6/30</a:t>
+              <a:t>2019/7/7</a:t>
             </a:fld>
             <a:endParaRPr kumimoji="1" lang="ja-JP" altLang="en-US"/>
           </a:p>
@@ -1444,7 +1445,7 @@
           <a:p>
             <a:fld id="{758B9292-117B-40DE-9116-9B57CD567806}" type="datetimeFigureOut">
               <a:rPr kumimoji="1" lang="ja-JP" altLang="en-US" smtClean="0"/>
-              <a:t>2019/6/30</a:t>
+              <a:t>2019/7/7</a:t>
             </a:fld>
             <a:endParaRPr kumimoji="1" lang="ja-JP" altLang="en-US"/>
           </a:p>
@@ -1777,7 +1778,7 @@
           <a:p>
             <a:fld id="{758B9292-117B-40DE-9116-9B57CD567806}" type="datetimeFigureOut">
               <a:rPr kumimoji="1" lang="ja-JP" altLang="en-US" smtClean="0"/>
-              <a:t>2019/6/30</a:t>
+              <a:t>2019/7/7</a:t>
             </a:fld>
             <a:endParaRPr kumimoji="1" lang="ja-JP" altLang="en-US"/>
           </a:p>
@@ -2091,7 +2092,7 @@
           <a:p>
             <a:fld id="{758B9292-117B-40DE-9116-9B57CD567806}" type="datetimeFigureOut">
               <a:rPr kumimoji="1" lang="ja-JP" altLang="en-US" smtClean="0"/>
-              <a:t>2019/6/30</a:t>
+              <a:t>2019/7/7</a:t>
             </a:fld>
             <a:endParaRPr kumimoji="1" lang="ja-JP" altLang="en-US"/>
           </a:p>
@@ -2484,7 +2485,7 @@
           <a:p>
             <a:fld id="{758B9292-117B-40DE-9116-9B57CD567806}" type="datetimeFigureOut">
               <a:rPr kumimoji="1" lang="ja-JP" altLang="en-US" smtClean="0"/>
-              <a:t>2019/6/30</a:t>
+              <a:t>2019/7/7</a:t>
             </a:fld>
             <a:endParaRPr kumimoji="1" lang="ja-JP" altLang="en-US"/>
           </a:p>
@@ -2686,7 +2687,7 @@
           <a:p>
             <a:fld id="{758B9292-117B-40DE-9116-9B57CD567806}" type="datetimeFigureOut">
               <a:rPr kumimoji="1" lang="ja-JP" altLang="en-US" smtClean="0"/>
-              <a:t>2019/6/30</a:t>
+              <a:t>2019/7/7</a:t>
             </a:fld>
             <a:endParaRPr kumimoji="1" lang="ja-JP" altLang="en-US"/>
           </a:p>
@@ -2898,7 +2899,7 @@
           <a:p>
             <a:fld id="{758B9292-117B-40DE-9116-9B57CD567806}" type="datetimeFigureOut">
               <a:rPr kumimoji="1" lang="ja-JP" altLang="en-US" smtClean="0"/>
-              <a:t>2019/6/30</a:t>
+              <a:t>2019/7/7</a:t>
             </a:fld>
             <a:endParaRPr kumimoji="1" lang="ja-JP" altLang="en-US"/>
           </a:p>
@@ -3100,7 +3101,7 @@
           <a:p>
             <a:fld id="{758B9292-117B-40DE-9116-9B57CD567806}" type="datetimeFigureOut">
               <a:rPr kumimoji="1" lang="ja-JP" altLang="en-US" smtClean="0"/>
-              <a:t>2019/6/30</a:t>
+              <a:t>2019/7/7</a:t>
             </a:fld>
             <a:endParaRPr kumimoji="1" lang="ja-JP" altLang="en-US"/>
           </a:p>
@@ -3347,7 +3348,7 @@
           <a:p>
             <a:fld id="{758B9292-117B-40DE-9116-9B57CD567806}" type="datetimeFigureOut">
               <a:rPr kumimoji="1" lang="ja-JP" altLang="en-US" smtClean="0"/>
-              <a:t>2019/6/30</a:t>
+              <a:t>2019/7/7</a:t>
             </a:fld>
             <a:endParaRPr kumimoji="1" lang="ja-JP" altLang="en-US"/>
           </a:p>
@@ -3643,7 +3644,7 @@
           <a:p>
             <a:fld id="{758B9292-117B-40DE-9116-9B57CD567806}" type="datetimeFigureOut">
               <a:rPr kumimoji="1" lang="ja-JP" altLang="en-US" smtClean="0"/>
-              <a:t>2019/6/30</a:t>
+              <a:t>2019/7/7</a:t>
             </a:fld>
             <a:endParaRPr kumimoji="1" lang="ja-JP" altLang="en-US"/>
           </a:p>
@@ -4081,7 +4082,7 @@
           <a:p>
             <a:fld id="{758B9292-117B-40DE-9116-9B57CD567806}" type="datetimeFigureOut">
               <a:rPr kumimoji="1" lang="ja-JP" altLang="en-US" smtClean="0"/>
-              <a:t>2019/6/30</a:t>
+              <a:t>2019/7/7</a:t>
             </a:fld>
             <a:endParaRPr kumimoji="1" lang="ja-JP" altLang="en-US"/>
           </a:p>
@@ -4204,7 +4205,7 @@
           <a:p>
             <a:fld id="{758B9292-117B-40DE-9116-9B57CD567806}" type="datetimeFigureOut">
               <a:rPr kumimoji="1" lang="ja-JP" altLang="en-US" smtClean="0"/>
-              <a:t>2019/6/30</a:t>
+              <a:t>2019/7/7</a:t>
             </a:fld>
             <a:endParaRPr kumimoji="1" lang="ja-JP" altLang="en-US"/>
           </a:p>
@@ -4299,7 +4300,7 @@
           <a:p>
             <a:fld id="{758B9292-117B-40DE-9116-9B57CD567806}" type="datetimeFigureOut">
               <a:rPr kumimoji="1" lang="ja-JP" altLang="en-US" smtClean="0"/>
-              <a:t>2019/6/30</a:t>
+              <a:t>2019/7/7</a:t>
             </a:fld>
             <a:endParaRPr kumimoji="1" lang="ja-JP" altLang="en-US"/>
           </a:p>
@@ -4586,7 +4587,7 @@
           <a:p>
             <a:fld id="{758B9292-117B-40DE-9116-9B57CD567806}" type="datetimeFigureOut">
               <a:rPr kumimoji="1" lang="ja-JP" altLang="en-US" smtClean="0"/>
-              <a:t>2019/6/30</a:t>
+              <a:t>2019/7/7</a:t>
             </a:fld>
             <a:endParaRPr kumimoji="1" lang="ja-JP" altLang="en-US"/>
           </a:p>
@@ -4891,7 +4892,7 @@
           <a:p>
             <a:fld id="{758B9292-117B-40DE-9116-9B57CD567806}" type="datetimeFigureOut">
               <a:rPr kumimoji="1" lang="ja-JP" altLang="en-US" smtClean="0"/>
-              <a:t>2019/6/30</a:t>
+              <a:t>2019/7/7</a:t>
             </a:fld>
             <a:endParaRPr kumimoji="1" lang="ja-JP" altLang="en-US"/>
           </a:p>
@@ -5625,7 +5626,7 @@
           <a:p>
             <a:fld id="{758B9292-117B-40DE-9116-9B57CD567806}" type="datetimeFigureOut">
               <a:rPr kumimoji="1" lang="ja-JP" altLang="en-US" smtClean="0"/>
-              <a:t>2019/6/30</a:t>
+              <a:t>2019/7/7</a:t>
             </a:fld>
             <a:endParaRPr kumimoji="1" lang="ja-JP" altLang="en-US"/>
           </a:p>
@@ -15582,7 +15583,7 @@
           <p:cNvPr id="2" name="タイトル 1">
             <a:extLst>
               <a:ext uri="{FF2B5EF4-FFF2-40B4-BE49-F238E27FC236}">
-                <a16:creationId xmlns:a16="http://schemas.microsoft.com/office/drawing/2014/main" id="{845CC576-B1EE-40BF-9D53-4960A82271C2}"/>
+                <a16:creationId xmlns:a16="http://schemas.microsoft.com/office/drawing/2014/main" id="{3B45FD4C-BFC4-4128-A099-6099651C5FE0}"/>
               </a:ext>
             </a:extLst>
           </p:cNvPr>
@@ -15599,1059 +15600,156 @@
           <a:lstStyle/>
           <a:p>
             <a:r>
-              <a:rPr lang="en-US" altLang="ja-JP" dirty="0">
-                <a:latin typeface="HGPｺﾞｼｯｸE" panose="020B0900000000000000" pitchFamily="50" charset="-128"/>
-                <a:ea typeface="HGPｺﾞｼｯｸE" panose="020B0900000000000000" pitchFamily="50" charset="-128"/>
-              </a:rPr>
-              <a:t>3.</a:t>
-            </a:r>
-            <a:r>
-              <a:rPr lang="en-US" altLang="ja-JP" b="1" dirty="0">
-                <a:latin typeface="HGPｺﾞｼｯｸE" panose="020B0900000000000000" pitchFamily="50" charset="-128"/>
-                <a:ea typeface="HGPｺﾞｼｯｸE" panose="020B0900000000000000" pitchFamily="50" charset="-128"/>
-              </a:rPr>
-              <a:t>Visitor</a:t>
-            </a:r>
-            <a:r>
-              <a:rPr lang="ja-JP" altLang="en-US" dirty="0">
-                <a:latin typeface="HGPｺﾞｼｯｸE" panose="020B0900000000000000" pitchFamily="50" charset="-128"/>
-                <a:ea typeface="HGPｺﾞｼｯｸE" panose="020B0900000000000000" pitchFamily="50" charset="-128"/>
-              </a:rPr>
-              <a:t>パターン</a:t>
-            </a:r>
-            <a:endParaRPr kumimoji="1" lang="ja-JP" altLang="en-US" dirty="0">
-              <a:latin typeface="HGPｺﾞｼｯｸE" panose="020B0900000000000000" pitchFamily="50" charset="-128"/>
-              <a:ea typeface="HGPｺﾞｼｯｸE" panose="020B0900000000000000" pitchFamily="50" charset="-128"/>
-            </a:endParaRPr>
+              <a:rPr kumimoji="1" lang="ja-JP" altLang="en-US" dirty="0">
+                <a:latin typeface="HGPｺﾞｼｯｸE" panose="020B0900000000000000" pitchFamily="50" charset="-128"/>
+                <a:ea typeface="HGPｺﾞｼｯｸE" panose="020B0900000000000000" pitchFamily="50" charset="-128"/>
+              </a:rPr>
+              <a:t>まとめ</a:t>
+            </a:r>
           </a:p>
         </p:txBody>
       </p:sp>
       <p:sp>
         <p:nvSpPr>
-          <p:cNvPr id="6" name="コンテンツ プレースホルダー 2">
+          <p:cNvPr id="5" name="コンテンツ プレースホルダー 4">
             <a:extLst>
               <a:ext uri="{FF2B5EF4-FFF2-40B4-BE49-F238E27FC236}">
-                <a16:creationId xmlns:a16="http://schemas.microsoft.com/office/drawing/2014/main" id="{048AD946-95B6-4F80-BB06-2CBD2F20C382}"/>
+                <a16:creationId xmlns:a16="http://schemas.microsoft.com/office/drawing/2014/main" id="{CC109549-66FB-4554-9DCC-682BDEE20651}"/>
               </a:ext>
             </a:extLst>
           </p:cNvPr>
-          <p:cNvSpPr txBox="1">
-            <a:spLocks/>
+          <p:cNvSpPr>
+            <a:spLocks noGrp="1"/>
           </p:cNvSpPr>
+          <p:nvPr>
+            <p:ph idx="1"/>
+          </p:nvPr>
+        </p:nvSpPr>
+        <p:spPr/>
+        <p:txBody>
+          <a:bodyPr>
+            <a:normAutofit/>
+          </a:bodyPr>
+          <a:lstStyle/>
+          <a:p>
+            <a:r>
+              <a:rPr lang="en-US" altLang="ja-JP" sz="2400" dirty="0" err="1"/>
+              <a:t>GoF</a:t>
+            </a:r>
+            <a:r>
+              <a:rPr lang="en-US" altLang="ja-JP" sz="2400" dirty="0"/>
+              <a:t>(</a:t>
+            </a:r>
+            <a:r>
+              <a:rPr lang="ja-JP" altLang="en-US" sz="2400" dirty="0"/>
+              <a:t>デザインパターン</a:t>
+            </a:r>
+            <a:r>
+              <a:rPr lang="en-US" altLang="ja-JP" sz="2400" dirty="0"/>
+              <a:t>)</a:t>
+            </a:r>
+            <a:r>
+              <a:rPr lang="ja-JP" altLang="en-US" sz="2400" dirty="0"/>
+              <a:t>とは設計手法。</a:t>
+            </a:r>
+            <a:endParaRPr lang="en-US" altLang="ja-JP" sz="2400" dirty="0"/>
+          </a:p>
+          <a:p>
+            <a:r>
+              <a:rPr lang="ja-JP" altLang="en-US" sz="2400" dirty="0"/>
+              <a:t>オブジェクト指向を元にした</a:t>
+            </a:r>
+            <a:r>
+              <a:rPr lang="en-US" altLang="ja-JP" sz="2400" dirty="0"/>
+              <a:t>23</a:t>
+            </a:r>
+            <a:r>
+              <a:rPr lang="ja-JP" altLang="en-US" sz="2400" dirty="0"/>
+              <a:t>種のパターンが存在。</a:t>
+            </a:r>
+          </a:p>
+        </p:txBody>
+      </p:sp>
+      <p:sp>
+        <p:nvSpPr>
+          <p:cNvPr id="6" name="テキスト ボックス 5">
+            <a:extLst>
+              <a:ext uri="{FF2B5EF4-FFF2-40B4-BE49-F238E27FC236}">
+                <a16:creationId xmlns:a16="http://schemas.microsoft.com/office/drawing/2014/main" id="{95B7FF1D-3EB8-4AD0-B7EE-FD747A217B29}"/>
+              </a:ext>
+            </a:extLst>
+          </p:cNvPr>
+          <p:cNvSpPr txBox="1"/>
           <p:nvPr/>
         </p:nvSpPr>
         <p:spPr>
           <a:xfrm>
-            <a:off x="841199" y="2108199"/>
-            <a:ext cx="8746684" cy="1320801"/>
+            <a:off x="1423511" y="4100975"/>
+            <a:ext cx="8531441" cy="1384995"/>
           </a:xfrm>
           <a:prstGeom prst="rect">
             <a:avLst/>
           </a:prstGeom>
+          <a:noFill/>
         </p:spPr>
         <p:txBody>
-          <a:bodyPr vert="horz" lIns="91440" tIns="45720" rIns="91440" bIns="45720" rtlCol="0">
-            <a:normAutofit/>
+          <a:bodyPr wrap="square" rtlCol="0">
+            <a:spAutoFit/>
           </a:bodyPr>
-          <a:lstStyle>
-            <a:lvl1pPr marL="342900" indent="-342900" algn="l" defTabSz="457200" rtl="0" eaLnBrk="1" latinLnBrk="0" hangingPunct="1">
-              <a:spcBef>
-                <a:spcPts val="1000"/>
-              </a:spcBef>
-              <a:spcAft>
-                <a:spcPts val="0"/>
-              </a:spcAft>
-              <a:buClr>
-                <a:schemeClr val="accent1"/>
-              </a:buClr>
-              <a:buSzPct val="80000"/>
-              <a:buFont typeface="Wingdings 3" charset="2"/>
-              <a:buChar char=""/>
-              <a:defRPr kumimoji="1" sz="1800" kern="1200">
-                <a:solidFill>
-                  <a:schemeClr val="tx1">
-                    <a:lumMod val="75000"/>
-                    <a:lumOff val="25000"/>
-                  </a:schemeClr>
-                </a:solidFill>
-                <a:latin typeface="+mn-lt"/>
-                <a:ea typeface="+mn-ea"/>
-                <a:cs typeface="+mn-cs"/>
-              </a:defRPr>
-            </a:lvl1pPr>
-            <a:lvl2pPr marL="742950" indent="-285750" algn="l" defTabSz="457200" rtl="0" eaLnBrk="1" latinLnBrk="0" hangingPunct="1">
-              <a:spcBef>
-                <a:spcPts val="1000"/>
-              </a:spcBef>
-              <a:spcAft>
-                <a:spcPts val="0"/>
-              </a:spcAft>
-              <a:buClr>
-                <a:schemeClr val="accent1"/>
-              </a:buClr>
-              <a:buSzPct val="80000"/>
-              <a:buFont typeface="Wingdings 3" charset="2"/>
-              <a:buChar char=""/>
-              <a:defRPr kumimoji="1" sz="1600" kern="1200">
-                <a:solidFill>
-                  <a:schemeClr val="tx1">
-                    <a:lumMod val="75000"/>
-                    <a:lumOff val="25000"/>
-                  </a:schemeClr>
-                </a:solidFill>
-                <a:latin typeface="+mn-lt"/>
-                <a:ea typeface="+mn-ea"/>
-                <a:cs typeface="+mn-cs"/>
-              </a:defRPr>
-            </a:lvl2pPr>
-            <a:lvl3pPr marL="1143000" indent="-228600" algn="l" defTabSz="457200" rtl="0" eaLnBrk="1" latinLnBrk="0" hangingPunct="1">
-              <a:spcBef>
-                <a:spcPts val="1000"/>
-              </a:spcBef>
-              <a:spcAft>
-                <a:spcPts val="0"/>
-              </a:spcAft>
-              <a:buClr>
-                <a:schemeClr val="accent1"/>
-              </a:buClr>
-              <a:buSzPct val="80000"/>
-              <a:buFont typeface="Wingdings 3" charset="2"/>
-              <a:buChar char=""/>
-              <a:defRPr kumimoji="1" sz="1400" kern="1200">
-                <a:solidFill>
-                  <a:schemeClr val="tx1">
-                    <a:lumMod val="75000"/>
-                    <a:lumOff val="25000"/>
-                  </a:schemeClr>
-                </a:solidFill>
-                <a:latin typeface="+mn-lt"/>
-                <a:ea typeface="+mn-ea"/>
-                <a:cs typeface="+mn-cs"/>
-              </a:defRPr>
-            </a:lvl3pPr>
-            <a:lvl4pPr marL="1600200" indent="-228600" algn="l" defTabSz="457200" rtl="0" eaLnBrk="1" latinLnBrk="0" hangingPunct="1">
-              <a:spcBef>
-                <a:spcPts val="1000"/>
-              </a:spcBef>
-              <a:spcAft>
-                <a:spcPts val="0"/>
-              </a:spcAft>
-              <a:buClr>
-                <a:schemeClr val="accent1"/>
-              </a:buClr>
-              <a:buSzPct val="80000"/>
-              <a:buFont typeface="Wingdings 3" charset="2"/>
-              <a:buChar char=""/>
-              <a:defRPr kumimoji="1" sz="1200" kern="1200">
-                <a:solidFill>
-                  <a:schemeClr val="tx1">
-                    <a:lumMod val="75000"/>
-                    <a:lumOff val="25000"/>
-                  </a:schemeClr>
-                </a:solidFill>
-                <a:latin typeface="+mn-lt"/>
-                <a:ea typeface="+mn-ea"/>
-                <a:cs typeface="+mn-cs"/>
-              </a:defRPr>
-            </a:lvl4pPr>
-            <a:lvl5pPr marL="2057400" indent="-228600" algn="l" defTabSz="457200" rtl="0" eaLnBrk="1" latinLnBrk="0" hangingPunct="1">
-              <a:spcBef>
-                <a:spcPts val="1000"/>
-              </a:spcBef>
-              <a:spcAft>
-                <a:spcPts val="0"/>
-              </a:spcAft>
-              <a:buClr>
-                <a:schemeClr val="accent1"/>
-              </a:buClr>
-              <a:buSzPct val="80000"/>
-              <a:buFont typeface="Wingdings 3" charset="2"/>
-              <a:buChar char=""/>
-              <a:defRPr kumimoji="1" sz="1200" kern="1200">
-                <a:solidFill>
-                  <a:schemeClr val="tx1">
-                    <a:lumMod val="75000"/>
-                    <a:lumOff val="25000"/>
-                  </a:schemeClr>
-                </a:solidFill>
-                <a:latin typeface="+mn-lt"/>
-                <a:ea typeface="+mn-ea"/>
-                <a:cs typeface="+mn-cs"/>
-              </a:defRPr>
-            </a:lvl5pPr>
-            <a:lvl6pPr marL="2514600" indent="-228600" algn="l" defTabSz="457200" rtl="0" eaLnBrk="1" latinLnBrk="0" hangingPunct="1">
-              <a:spcBef>
-                <a:spcPts val="1000"/>
-              </a:spcBef>
-              <a:spcAft>
-                <a:spcPts val="0"/>
-              </a:spcAft>
-              <a:buClr>
-                <a:schemeClr val="accent1"/>
-              </a:buClr>
-              <a:buSzPct val="80000"/>
-              <a:buFont typeface="Wingdings 3" charset="2"/>
-              <a:buChar char=""/>
-              <a:defRPr kumimoji="1" sz="1200" kern="1200">
-                <a:solidFill>
-                  <a:schemeClr val="tx1">
-                    <a:lumMod val="75000"/>
-                    <a:lumOff val="25000"/>
-                  </a:schemeClr>
-                </a:solidFill>
-                <a:latin typeface="+mn-lt"/>
-                <a:ea typeface="+mn-ea"/>
-                <a:cs typeface="+mn-cs"/>
-              </a:defRPr>
-            </a:lvl6pPr>
-            <a:lvl7pPr marL="2971800" indent="-228600" algn="l" defTabSz="457200" rtl="0" eaLnBrk="1" latinLnBrk="0" hangingPunct="1">
-              <a:spcBef>
-                <a:spcPts val="1000"/>
-              </a:spcBef>
-              <a:spcAft>
-                <a:spcPts val="0"/>
-              </a:spcAft>
-              <a:buClr>
-                <a:schemeClr val="accent1"/>
-              </a:buClr>
-              <a:buSzPct val="80000"/>
-              <a:buFont typeface="Wingdings 3" charset="2"/>
-              <a:buChar char=""/>
-              <a:defRPr kumimoji="1" sz="1200" kern="1200">
-                <a:solidFill>
-                  <a:schemeClr val="tx1">
-                    <a:lumMod val="75000"/>
-                    <a:lumOff val="25000"/>
-                  </a:schemeClr>
-                </a:solidFill>
-                <a:latin typeface="+mn-lt"/>
-                <a:ea typeface="+mn-ea"/>
-                <a:cs typeface="+mn-cs"/>
-              </a:defRPr>
-            </a:lvl7pPr>
-            <a:lvl8pPr marL="3429000" indent="-228600" algn="l" defTabSz="457200" rtl="0" eaLnBrk="1" latinLnBrk="0" hangingPunct="1">
-              <a:spcBef>
-                <a:spcPts val="1000"/>
-              </a:spcBef>
-              <a:spcAft>
-                <a:spcPts val="0"/>
-              </a:spcAft>
-              <a:buClr>
-                <a:schemeClr val="accent1"/>
-              </a:buClr>
-              <a:buSzPct val="80000"/>
-              <a:buFont typeface="Wingdings 3" charset="2"/>
-              <a:buChar char=""/>
-              <a:defRPr kumimoji="1" sz="1200" kern="1200">
-                <a:solidFill>
-                  <a:schemeClr val="tx1">
-                    <a:lumMod val="75000"/>
-                    <a:lumOff val="25000"/>
-                  </a:schemeClr>
-                </a:solidFill>
-                <a:latin typeface="+mn-lt"/>
-                <a:ea typeface="+mn-ea"/>
-                <a:cs typeface="+mn-cs"/>
-              </a:defRPr>
-            </a:lvl8pPr>
-            <a:lvl9pPr marL="3886200" indent="-228600" algn="l" defTabSz="457200" rtl="0" eaLnBrk="1" latinLnBrk="0" hangingPunct="1">
-              <a:spcBef>
-                <a:spcPts val="1000"/>
-              </a:spcBef>
-              <a:spcAft>
-                <a:spcPts val="0"/>
-              </a:spcAft>
-              <a:buClr>
-                <a:schemeClr val="accent1"/>
-              </a:buClr>
-              <a:buSzPct val="80000"/>
-              <a:buFont typeface="Wingdings 3" charset="2"/>
-              <a:buChar char=""/>
-              <a:defRPr kumimoji="1" sz="1200" kern="1200">
-                <a:solidFill>
-                  <a:schemeClr val="tx1">
-                    <a:lumMod val="75000"/>
-                    <a:lumOff val="25000"/>
-                  </a:schemeClr>
-                </a:solidFill>
-                <a:latin typeface="+mn-lt"/>
-                <a:ea typeface="+mn-ea"/>
-                <a:cs typeface="+mn-cs"/>
-              </a:defRPr>
-            </a:lvl9pPr>
-          </a:lstStyle>
-          <a:p>
-            <a:pPr>
-              <a:buFont typeface="Wingdings" panose="05000000000000000000" pitchFamily="2" charset="2"/>
-              <a:buChar char="n"/>
-            </a:pPr>
-            <a:r>
-              <a:rPr lang="ja-JP" altLang="en-US" dirty="0">
-                <a:latin typeface="HGPｺﾞｼｯｸE" panose="020B0900000000000000" pitchFamily="50" charset="-128"/>
-                <a:ea typeface="HGPｺﾞｼｯｸE" panose="020B0900000000000000" pitchFamily="50" charset="-128"/>
-              </a:rPr>
-              <a:t>同じ機能が複数必要になり、いくつも同じ関数を作る羽目になる場合の解決策。</a:t>
-            </a:r>
-            <a:endParaRPr lang="en-US" altLang="ja-JP" dirty="0">
+          <a:lstStyle/>
+          <a:p>
+            <a:r>
+              <a:rPr kumimoji="1" lang="ja-JP" altLang="en-US" sz="2800" dirty="0">
+                <a:solidFill>
+                  <a:schemeClr val="bg2">
+                    <a:lumMod val="25000"/>
+                  </a:schemeClr>
+                </a:solidFill>
+                <a:latin typeface="HGPｺﾞｼｯｸE" panose="020B0900000000000000" pitchFamily="50" charset="-128"/>
+                <a:ea typeface="HGPｺﾞｼｯｸE" panose="020B0900000000000000" pitchFamily="50" charset="-128"/>
+              </a:rPr>
+              <a:t>何にどのパターンを適用するかは開発者次第、</a:t>
+            </a:r>
+            <a:endParaRPr kumimoji="1" lang="en-US" altLang="ja-JP" sz="2800" dirty="0">
+              <a:solidFill>
+                <a:schemeClr val="bg2">
+                  <a:lumMod val="25000"/>
+                </a:schemeClr>
+              </a:solidFill>
               <a:latin typeface="HGPｺﾞｼｯｸE" panose="020B0900000000000000" pitchFamily="50" charset="-128"/>
               <a:ea typeface="HGPｺﾞｼｯｸE" panose="020B0900000000000000" pitchFamily="50" charset="-128"/>
             </a:endParaRPr>
           </a:p>
           <a:p>
-            <a:pPr>
-              <a:buFont typeface="Wingdings" panose="05000000000000000000" pitchFamily="2" charset="2"/>
-              <a:buChar char="n"/>
-            </a:pPr>
-            <a:r>
-              <a:rPr lang="ja-JP" altLang="en-US" dirty="0">
-                <a:latin typeface="HGPｺﾞｼｯｸE" panose="020B0900000000000000" pitchFamily="50" charset="-128"/>
-                <a:ea typeface="HGPｺﾞｼｯｸE" panose="020B0900000000000000" pitchFamily="50" charset="-128"/>
-              </a:rPr>
-              <a:t>リファレンスで一考の余地あり。</a:t>
-            </a:r>
-            <a:endParaRPr lang="en-US" altLang="ja-JP" dirty="0">
+            <a:r>
+              <a:rPr kumimoji="1" lang="ja-JP" altLang="en-US" sz="2800" dirty="0">
+                <a:solidFill>
+                  <a:schemeClr val="bg2">
+                    <a:lumMod val="25000"/>
+                  </a:schemeClr>
+                </a:solidFill>
+                <a:latin typeface="HGPｺﾞｼｯｸE" panose="020B0900000000000000" pitchFamily="50" charset="-128"/>
+                <a:ea typeface="HGPｺﾞｼｯｸE" panose="020B0900000000000000" pitchFamily="50" charset="-128"/>
+              </a:rPr>
+              <a:t>そのパターンの特徴を理解したうえで使いこなしましょう。</a:t>
+            </a:r>
+            <a:endParaRPr kumimoji="1" lang="en-US" altLang="ja-JP" sz="2800" dirty="0">
+              <a:solidFill>
+                <a:schemeClr val="bg2">
+                  <a:lumMod val="25000"/>
+                </a:schemeClr>
+              </a:solidFill>
               <a:latin typeface="HGPｺﾞｼｯｸE" panose="020B0900000000000000" pitchFamily="50" charset="-128"/>
               <a:ea typeface="HGPｺﾞｼｯｸE" panose="020B0900000000000000" pitchFamily="50" charset="-128"/>
             </a:endParaRPr>
           </a:p>
           <a:p>
-            <a:pPr>
-              <a:buFont typeface="Wingdings" panose="05000000000000000000" pitchFamily="2" charset="2"/>
-              <a:buChar char="n"/>
-            </a:pPr>
-            <a:r>
-              <a:rPr lang="ja-JP" altLang="en-US" dirty="0">
-                <a:latin typeface="HGPｺﾞｼｯｸE" panose="020B0900000000000000" pitchFamily="50" charset="-128"/>
-                <a:ea typeface="HGPｺﾞｼｯｸE" panose="020B0900000000000000" pitchFamily="50" charset="-128"/>
-              </a:rPr>
-              <a:t>不要な</a:t>
-            </a:r>
-            <a:r>
-              <a:rPr lang="en-US" altLang="ja-JP" dirty="0">
-                <a:latin typeface="HGPｺﾞｼｯｸE" panose="020B0900000000000000" pitchFamily="50" charset="-128"/>
-                <a:ea typeface="HGPｺﾞｼｯｸE" panose="020B0900000000000000" pitchFamily="50" charset="-128"/>
-              </a:rPr>
-              <a:t>Manager</a:t>
-            </a:r>
-            <a:r>
-              <a:rPr lang="ja-JP" altLang="en-US" dirty="0">
-                <a:latin typeface="HGPｺﾞｼｯｸE" panose="020B0900000000000000" pitchFamily="50" charset="-128"/>
-                <a:ea typeface="HGPｺﾞｼｯｸE" panose="020B0900000000000000" pitchFamily="50" charset="-128"/>
-              </a:rPr>
-              <a:t>や</a:t>
-            </a:r>
-            <a:r>
-              <a:rPr lang="en-US" altLang="ja-JP" dirty="0">
-                <a:latin typeface="HGPｺﾞｼｯｸE" panose="020B0900000000000000" pitchFamily="50" charset="-128"/>
-                <a:ea typeface="HGPｺﾞｼｯｸE" panose="020B0900000000000000" pitchFamily="50" charset="-128"/>
-              </a:rPr>
-              <a:t>Controller</a:t>
-            </a:r>
-            <a:r>
-              <a:rPr lang="ja-JP" altLang="en-US" dirty="0">
-                <a:latin typeface="HGPｺﾞｼｯｸE" panose="020B0900000000000000" pitchFamily="50" charset="-128"/>
-                <a:ea typeface="HGPｺﾞｼｯｸE" panose="020B0900000000000000" pitchFamily="50" charset="-128"/>
-              </a:rPr>
-              <a:t>の洗い出しと設計整備にも役立つ？かも</a:t>
-            </a:r>
-            <a:endParaRPr lang="en-US" altLang="ja-JP" dirty="0">
-              <a:latin typeface="HGPｺﾞｼｯｸE" panose="020B0900000000000000" pitchFamily="50" charset="-128"/>
-              <a:ea typeface="HGPｺﾞｼｯｸE" panose="020B0900000000000000" pitchFamily="50" charset="-128"/>
-            </a:endParaRPr>
-          </a:p>
-          <a:p>
-            <a:pPr>
-              <a:buFont typeface="Wingdings" panose="05000000000000000000" pitchFamily="2" charset="2"/>
-              <a:buChar char="n"/>
-            </a:pPr>
-            <a:endParaRPr lang="en-US" altLang="ja-JP" dirty="0">
-              <a:latin typeface="HGPｺﾞｼｯｸE" panose="020B0900000000000000" pitchFamily="50" charset="-128"/>
-              <a:ea typeface="HGPｺﾞｼｯｸE" panose="020B0900000000000000" pitchFamily="50" charset="-128"/>
-            </a:endParaRPr>
-          </a:p>
-        </p:txBody>
-      </p:sp>
-      <p:sp>
-        <p:nvSpPr>
-          <p:cNvPr id="7" name="コンテンツ プレースホルダー 2">
-            <a:extLst>
-              <a:ext uri="{FF2B5EF4-FFF2-40B4-BE49-F238E27FC236}">
-                <a16:creationId xmlns:a16="http://schemas.microsoft.com/office/drawing/2014/main" id="{871414A4-B7C4-4DE9-9363-D015CEC18631}"/>
-              </a:ext>
-            </a:extLst>
-          </p:cNvPr>
-          <p:cNvSpPr txBox="1">
-            <a:spLocks/>
-          </p:cNvSpPr>
-          <p:nvPr/>
-        </p:nvSpPr>
-        <p:spPr>
-          <a:xfrm>
-            <a:off x="584571" y="4267200"/>
-            <a:ext cx="5185915" cy="2160233"/>
-          </a:xfrm>
-          <a:prstGeom prst="rect">
-            <a:avLst/>
-          </a:prstGeom>
-        </p:spPr>
-        <p:txBody>
-          <a:bodyPr vert="horz" lIns="91440" tIns="45720" rIns="91440" bIns="45720" rtlCol="0">
-            <a:normAutofit/>
-          </a:bodyPr>
-          <a:lstStyle>
-            <a:lvl1pPr marL="342900" indent="-342900" algn="l" defTabSz="457200" rtl="0" eaLnBrk="1" latinLnBrk="0" hangingPunct="1">
-              <a:spcBef>
-                <a:spcPts val="1000"/>
-              </a:spcBef>
-              <a:spcAft>
-                <a:spcPts val="0"/>
-              </a:spcAft>
-              <a:buClr>
-                <a:schemeClr val="accent1"/>
-              </a:buClr>
-              <a:buSzPct val="80000"/>
-              <a:buFont typeface="Wingdings 3" charset="2"/>
-              <a:buChar char=""/>
-              <a:defRPr kumimoji="1" sz="1800" kern="1200">
-                <a:solidFill>
-                  <a:schemeClr val="tx1">
-                    <a:lumMod val="75000"/>
-                    <a:lumOff val="25000"/>
-                  </a:schemeClr>
-                </a:solidFill>
-                <a:latin typeface="+mn-lt"/>
-                <a:ea typeface="+mn-ea"/>
-                <a:cs typeface="+mn-cs"/>
-              </a:defRPr>
-            </a:lvl1pPr>
-            <a:lvl2pPr marL="742950" indent="-285750" algn="l" defTabSz="457200" rtl="0" eaLnBrk="1" latinLnBrk="0" hangingPunct="1">
-              <a:spcBef>
-                <a:spcPts val="1000"/>
-              </a:spcBef>
-              <a:spcAft>
-                <a:spcPts val="0"/>
-              </a:spcAft>
-              <a:buClr>
-                <a:schemeClr val="accent1"/>
-              </a:buClr>
-              <a:buSzPct val="80000"/>
-              <a:buFont typeface="Wingdings 3" charset="2"/>
-              <a:buChar char=""/>
-              <a:defRPr kumimoji="1" sz="1600" kern="1200">
-                <a:solidFill>
-                  <a:schemeClr val="tx1">
-                    <a:lumMod val="75000"/>
-                    <a:lumOff val="25000"/>
-                  </a:schemeClr>
-                </a:solidFill>
-                <a:latin typeface="+mn-lt"/>
-                <a:ea typeface="+mn-ea"/>
-                <a:cs typeface="+mn-cs"/>
-              </a:defRPr>
-            </a:lvl2pPr>
-            <a:lvl3pPr marL="1143000" indent="-228600" algn="l" defTabSz="457200" rtl="0" eaLnBrk="1" latinLnBrk="0" hangingPunct="1">
-              <a:spcBef>
-                <a:spcPts val="1000"/>
-              </a:spcBef>
-              <a:spcAft>
-                <a:spcPts val="0"/>
-              </a:spcAft>
-              <a:buClr>
-                <a:schemeClr val="accent1"/>
-              </a:buClr>
-              <a:buSzPct val="80000"/>
-              <a:buFont typeface="Wingdings 3" charset="2"/>
-              <a:buChar char=""/>
-              <a:defRPr kumimoji="1" sz="1400" kern="1200">
-                <a:solidFill>
-                  <a:schemeClr val="tx1">
-                    <a:lumMod val="75000"/>
-                    <a:lumOff val="25000"/>
-                  </a:schemeClr>
-                </a:solidFill>
-                <a:latin typeface="+mn-lt"/>
-                <a:ea typeface="+mn-ea"/>
-                <a:cs typeface="+mn-cs"/>
-              </a:defRPr>
-            </a:lvl3pPr>
-            <a:lvl4pPr marL="1600200" indent="-228600" algn="l" defTabSz="457200" rtl="0" eaLnBrk="1" latinLnBrk="0" hangingPunct="1">
-              <a:spcBef>
-                <a:spcPts val="1000"/>
-              </a:spcBef>
-              <a:spcAft>
-                <a:spcPts val="0"/>
-              </a:spcAft>
-              <a:buClr>
-                <a:schemeClr val="accent1"/>
-              </a:buClr>
-              <a:buSzPct val="80000"/>
-              <a:buFont typeface="Wingdings 3" charset="2"/>
-              <a:buChar char=""/>
-              <a:defRPr kumimoji="1" sz="1200" kern="1200">
-                <a:solidFill>
-                  <a:schemeClr val="tx1">
-                    <a:lumMod val="75000"/>
-                    <a:lumOff val="25000"/>
-                  </a:schemeClr>
-                </a:solidFill>
-                <a:latin typeface="+mn-lt"/>
-                <a:ea typeface="+mn-ea"/>
-                <a:cs typeface="+mn-cs"/>
-              </a:defRPr>
-            </a:lvl4pPr>
-            <a:lvl5pPr marL="2057400" indent="-228600" algn="l" defTabSz="457200" rtl="0" eaLnBrk="1" latinLnBrk="0" hangingPunct="1">
-              <a:spcBef>
-                <a:spcPts val="1000"/>
-              </a:spcBef>
-              <a:spcAft>
-                <a:spcPts val="0"/>
-              </a:spcAft>
-              <a:buClr>
-                <a:schemeClr val="accent1"/>
-              </a:buClr>
-              <a:buSzPct val="80000"/>
-              <a:buFont typeface="Wingdings 3" charset="2"/>
-              <a:buChar char=""/>
-              <a:defRPr kumimoji="1" sz="1200" kern="1200">
-                <a:solidFill>
-                  <a:schemeClr val="tx1">
-                    <a:lumMod val="75000"/>
-                    <a:lumOff val="25000"/>
-                  </a:schemeClr>
-                </a:solidFill>
-                <a:latin typeface="+mn-lt"/>
-                <a:ea typeface="+mn-ea"/>
-                <a:cs typeface="+mn-cs"/>
-              </a:defRPr>
-            </a:lvl5pPr>
-            <a:lvl6pPr marL="2514600" indent="-228600" algn="l" defTabSz="457200" rtl="0" eaLnBrk="1" latinLnBrk="0" hangingPunct="1">
-              <a:spcBef>
-                <a:spcPts val="1000"/>
-              </a:spcBef>
-              <a:spcAft>
-                <a:spcPts val="0"/>
-              </a:spcAft>
-              <a:buClr>
-                <a:schemeClr val="accent1"/>
-              </a:buClr>
-              <a:buSzPct val="80000"/>
-              <a:buFont typeface="Wingdings 3" charset="2"/>
-              <a:buChar char=""/>
-              <a:defRPr kumimoji="1" sz="1200" kern="1200">
-                <a:solidFill>
-                  <a:schemeClr val="tx1">
-                    <a:lumMod val="75000"/>
-                    <a:lumOff val="25000"/>
-                  </a:schemeClr>
-                </a:solidFill>
-                <a:latin typeface="+mn-lt"/>
-                <a:ea typeface="+mn-ea"/>
-                <a:cs typeface="+mn-cs"/>
-              </a:defRPr>
-            </a:lvl6pPr>
-            <a:lvl7pPr marL="2971800" indent="-228600" algn="l" defTabSz="457200" rtl="0" eaLnBrk="1" latinLnBrk="0" hangingPunct="1">
-              <a:spcBef>
-                <a:spcPts val="1000"/>
-              </a:spcBef>
-              <a:spcAft>
-                <a:spcPts val="0"/>
-              </a:spcAft>
-              <a:buClr>
-                <a:schemeClr val="accent1"/>
-              </a:buClr>
-              <a:buSzPct val="80000"/>
-              <a:buFont typeface="Wingdings 3" charset="2"/>
-              <a:buChar char=""/>
-              <a:defRPr kumimoji="1" sz="1200" kern="1200">
-                <a:solidFill>
-                  <a:schemeClr val="tx1">
-                    <a:lumMod val="75000"/>
-                    <a:lumOff val="25000"/>
-                  </a:schemeClr>
-                </a:solidFill>
-                <a:latin typeface="+mn-lt"/>
-                <a:ea typeface="+mn-ea"/>
-                <a:cs typeface="+mn-cs"/>
-              </a:defRPr>
-            </a:lvl7pPr>
-            <a:lvl8pPr marL="3429000" indent="-228600" algn="l" defTabSz="457200" rtl="0" eaLnBrk="1" latinLnBrk="0" hangingPunct="1">
-              <a:spcBef>
-                <a:spcPts val="1000"/>
-              </a:spcBef>
-              <a:spcAft>
-                <a:spcPts val="0"/>
-              </a:spcAft>
-              <a:buClr>
-                <a:schemeClr val="accent1"/>
-              </a:buClr>
-              <a:buSzPct val="80000"/>
-              <a:buFont typeface="Wingdings 3" charset="2"/>
-              <a:buChar char=""/>
-              <a:defRPr kumimoji="1" sz="1200" kern="1200">
-                <a:solidFill>
-                  <a:schemeClr val="tx1">
-                    <a:lumMod val="75000"/>
-                    <a:lumOff val="25000"/>
-                  </a:schemeClr>
-                </a:solidFill>
-                <a:latin typeface="+mn-lt"/>
-                <a:ea typeface="+mn-ea"/>
-                <a:cs typeface="+mn-cs"/>
-              </a:defRPr>
-            </a:lvl8pPr>
-            <a:lvl9pPr marL="3886200" indent="-228600" algn="l" defTabSz="457200" rtl="0" eaLnBrk="1" latinLnBrk="0" hangingPunct="1">
-              <a:spcBef>
-                <a:spcPts val="1000"/>
-              </a:spcBef>
-              <a:spcAft>
-                <a:spcPts val="0"/>
-              </a:spcAft>
-              <a:buClr>
-                <a:schemeClr val="accent1"/>
-              </a:buClr>
-              <a:buSzPct val="80000"/>
-              <a:buFont typeface="Wingdings 3" charset="2"/>
-              <a:buChar char=""/>
-              <a:defRPr kumimoji="1" sz="1200" kern="1200">
-                <a:solidFill>
-                  <a:schemeClr val="tx1">
-                    <a:lumMod val="75000"/>
-                    <a:lumOff val="25000"/>
-                  </a:schemeClr>
-                </a:solidFill>
-                <a:latin typeface="+mn-lt"/>
-                <a:ea typeface="+mn-ea"/>
-                <a:cs typeface="+mn-cs"/>
-              </a:defRPr>
-            </a:lvl9pPr>
-          </a:lstStyle>
-          <a:p>
-            <a:pPr marL="0" indent="0">
-              <a:buNone/>
-            </a:pPr>
-            <a:r>
-              <a:rPr lang="en-US" altLang="ja-JP" dirty="0">
-                <a:latin typeface="HGPｺﾞｼｯｸE" panose="020B0900000000000000" pitchFamily="50" charset="-128"/>
-                <a:ea typeface="HGPｺﾞｼｯｸE" panose="020B0900000000000000" pitchFamily="50" charset="-128"/>
-              </a:rPr>
-              <a:t>	【</a:t>
-            </a:r>
-            <a:r>
-              <a:rPr lang="ja-JP" altLang="en-US" dirty="0">
-                <a:latin typeface="HGPｺﾞｼｯｸE" panose="020B0900000000000000" pitchFamily="50" charset="-128"/>
-                <a:ea typeface="HGPｺﾞｼｯｸE" panose="020B0900000000000000" pitchFamily="50" charset="-128"/>
-              </a:rPr>
-              <a:t>メリット</a:t>
-            </a:r>
-            <a:r>
-              <a:rPr lang="en-US" altLang="ja-JP" dirty="0">
-                <a:latin typeface="HGPｺﾞｼｯｸE" panose="020B0900000000000000" pitchFamily="50" charset="-128"/>
-                <a:ea typeface="HGPｺﾞｼｯｸE" panose="020B0900000000000000" pitchFamily="50" charset="-128"/>
-              </a:rPr>
-              <a:t>】</a:t>
-            </a:r>
-          </a:p>
-          <a:p>
-            <a:pPr>
-              <a:buFont typeface="Wingdings" panose="05000000000000000000" pitchFamily="2" charset="2"/>
-              <a:buChar char="n"/>
-            </a:pPr>
-            <a:r>
-              <a:rPr lang="ja-JP" altLang="en-US" dirty="0">
-                <a:latin typeface="HGPｺﾞｼｯｸE" panose="020B0900000000000000" pitchFamily="50" charset="-128"/>
-                <a:ea typeface="HGPｺﾞｼｯｸE" panose="020B0900000000000000" pitchFamily="50" charset="-128"/>
-              </a:rPr>
-              <a:t>再利用性が高いので、同じ機能を複数使う場合は便利。</a:t>
-            </a:r>
-            <a:endParaRPr lang="en-US" altLang="ja-JP" dirty="0">
-              <a:latin typeface="HGPｺﾞｼｯｸE" panose="020B0900000000000000" pitchFamily="50" charset="-128"/>
-              <a:ea typeface="HGPｺﾞｼｯｸE" panose="020B0900000000000000" pitchFamily="50" charset="-128"/>
-            </a:endParaRPr>
-          </a:p>
-          <a:p>
-            <a:pPr>
-              <a:buFont typeface="Wingdings" panose="05000000000000000000" pitchFamily="2" charset="2"/>
-              <a:buChar char="n"/>
-            </a:pPr>
-            <a:r>
-              <a:rPr lang="ja-JP" altLang="en-US" dirty="0">
-                <a:latin typeface="HGPｺﾞｼｯｸE" panose="020B0900000000000000" pitchFamily="50" charset="-128"/>
-                <a:ea typeface="HGPｺﾞｼｯｸE" panose="020B0900000000000000" pitchFamily="50" charset="-128"/>
-              </a:rPr>
-              <a:t>位置など簡易情報の管理はシングルトンよりこっちの方が便利。</a:t>
-            </a:r>
-            <a:endParaRPr lang="en-US" altLang="ja-JP" dirty="0">
-              <a:latin typeface="HGPｺﾞｼｯｸE" panose="020B0900000000000000" pitchFamily="50" charset="-128"/>
-              <a:ea typeface="HGPｺﾞｼｯｸE" panose="020B0900000000000000" pitchFamily="50" charset="-128"/>
-            </a:endParaRPr>
-          </a:p>
-          <a:p>
-            <a:pPr>
-              <a:buFont typeface="Wingdings" panose="05000000000000000000" pitchFamily="2" charset="2"/>
-              <a:buChar char="n"/>
-            </a:pPr>
-            <a:r>
-              <a:rPr lang="ja-JP" altLang="en-US" dirty="0">
-                <a:latin typeface="HGPｺﾞｼｯｸE" panose="020B0900000000000000" pitchFamily="50" charset="-128"/>
-                <a:ea typeface="HGPｺﾞｼｯｸE" panose="020B0900000000000000" pitchFamily="50" charset="-128"/>
-              </a:rPr>
-              <a:t>コードがスッキリする。</a:t>
-            </a:r>
-            <a:endParaRPr lang="en-US" altLang="ja-JP" dirty="0">
-              <a:latin typeface="HGPｺﾞｼｯｸE" panose="020B0900000000000000" pitchFamily="50" charset="-128"/>
-              <a:ea typeface="HGPｺﾞｼｯｸE" panose="020B0900000000000000" pitchFamily="50" charset="-128"/>
-            </a:endParaRPr>
-          </a:p>
-        </p:txBody>
-      </p:sp>
-      <p:sp>
-        <p:nvSpPr>
-          <p:cNvPr id="8" name="コンテンツ プレースホルダー 2">
-            <a:extLst>
-              <a:ext uri="{FF2B5EF4-FFF2-40B4-BE49-F238E27FC236}">
-                <a16:creationId xmlns:a16="http://schemas.microsoft.com/office/drawing/2014/main" id="{E0915D32-8FE1-40EE-B586-26F3AA67F381}"/>
-              </a:ext>
-            </a:extLst>
-          </p:cNvPr>
-          <p:cNvSpPr txBox="1">
-            <a:spLocks/>
-          </p:cNvSpPr>
-          <p:nvPr/>
-        </p:nvSpPr>
-        <p:spPr>
-          <a:xfrm>
-            <a:off x="5770486" y="4267200"/>
-            <a:ext cx="5185915" cy="1769616"/>
-          </a:xfrm>
-          <a:prstGeom prst="rect">
-            <a:avLst/>
-          </a:prstGeom>
-        </p:spPr>
-        <p:txBody>
-          <a:bodyPr vert="horz" lIns="91440" tIns="45720" rIns="91440" bIns="45720" rtlCol="0">
-            <a:normAutofit/>
-          </a:bodyPr>
-          <a:lstStyle>
-            <a:lvl1pPr marL="342900" indent="-342900" algn="l" defTabSz="457200" rtl="0" eaLnBrk="1" latinLnBrk="0" hangingPunct="1">
-              <a:spcBef>
-                <a:spcPts val="1000"/>
-              </a:spcBef>
-              <a:spcAft>
-                <a:spcPts val="0"/>
-              </a:spcAft>
-              <a:buClr>
-                <a:schemeClr val="accent1"/>
-              </a:buClr>
-              <a:buSzPct val="80000"/>
-              <a:buFont typeface="Wingdings 3" charset="2"/>
-              <a:buChar char=""/>
-              <a:defRPr kumimoji="1" sz="1800" kern="1200">
-                <a:solidFill>
-                  <a:schemeClr val="tx1">
-                    <a:lumMod val="75000"/>
-                    <a:lumOff val="25000"/>
-                  </a:schemeClr>
-                </a:solidFill>
-                <a:latin typeface="+mn-lt"/>
-                <a:ea typeface="+mn-ea"/>
-                <a:cs typeface="+mn-cs"/>
-              </a:defRPr>
-            </a:lvl1pPr>
-            <a:lvl2pPr marL="742950" indent="-285750" algn="l" defTabSz="457200" rtl="0" eaLnBrk="1" latinLnBrk="0" hangingPunct="1">
-              <a:spcBef>
-                <a:spcPts val="1000"/>
-              </a:spcBef>
-              <a:spcAft>
-                <a:spcPts val="0"/>
-              </a:spcAft>
-              <a:buClr>
-                <a:schemeClr val="accent1"/>
-              </a:buClr>
-              <a:buSzPct val="80000"/>
-              <a:buFont typeface="Wingdings 3" charset="2"/>
-              <a:buChar char=""/>
-              <a:defRPr kumimoji="1" sz="1600" kern="1200">
-                <a:solidFill>
-                  <a:schemeClr val="tx1">
-                    <a:lumMod val="75000"/>
-                    <a:lumOff val="25000"/>
-                  </a:schemeClr>
-                </a:solidFill>
-                <a:latin typeface="+mn-lt"/>
-                <a:ea typeface="+mn-ea"/>
-                <a:cs typeface="+mn-cs"/>
-              </a:defRPr>
-            </a:lvl2pPr>
-            <a:lvl3pPr marL="1143000" indent="-228600" algn="l" defTabSz="457200" rtl="0" eaLnBrk="1" latinLnBrk="0" hangingPunct="1">
-              <a:spcBef>
-                <a:spcPts val="1000"/>
-              </a:spcBef>
-              <a:spcAft>
-                <a:spcPts val="0"/>
-              </a:spcAft>
-              <a:buClr>
-                <a:schemeClr val="accent1"/>
-              </a:buClr>
-              <a:buSzPct val="80000"/>
-              <a:buFont typeface="Wingdings 3" charset="2"/>
-              <a:buChar char=""/>
-              <a:defRPr kumimoji="1" sz="1400" kern="1200">
-                <a:solidFill>
-                  <a:schemeClr val="tx1">
-                    <a:lumMod val="75000"/>
-                    <a:lumOff val="25000"/>
-                  </a:schemeClr>
-                </a:solidFill>
-                <a:latin typeface="+mn-lt"/>
-                <a:ea typeface="+mn-ea"/>
-                <a:cs typeface="+mn-cs"/>
-              </a:defRPr>
-            </a:lvl3pPr>
-            <a:lvl4pPr marL="1600200" indent="-228600" algn="l" defTabSz="457200" rtl="0" eaLnBrk="1" latinLnBrk="0" hangingPunct="1">
-              <a:spcBef>
-                <a:spcPts val="1000"/>
-              </a:spcBef>
-              <a:spcAft>
-                <a:spcPts val="0"/>
-              </a:spcAft>
-              <a:buClr>
-                <a:schemeClr val="accent1"/>
-              </a:buClr>
-              <a:buSzPct val="80000"/>
-              <a:buFont typeface="Wingdings 3" charset="2"/>
-              <a:buChar char=""/>
-              <a:defRPr kumimoji="1" sz="1200" kern="1200">
-                <a:solidFill>
-                  <a:schemeClr val="tx1">
-                    <a:lumMod val="75000"/>
-                    <a:lumOff val="25000"/>
-                  </a:schemeClr>
-                </a:solidFill>
-                <a:latin typeface="+mn-lt"/>
-                <a:ea typeface="+mn-ea"/>
-                <a:cs typeface="+mn-cs"/>
-              </a:defRPr>
-            </a:lvl4pPr>
-            <a:lvl5pPr marL="2057400" indent="-228600" algn="l" defTabSz="457200" rtl="0" eaLnBrk="1" latinLnBrk="0" hangingPunct="1">
-              <a:spcBef>
-                <a:spcPts val="1000"/>
-              </a:spcBef>
-              <a:spcAft>
-                <a:spcPts val="0"/>
-              </a:spcAft>
-              <a:buClr>
-                <a:schemeClr val="accent1"/>
-              </a:buClr>
-              <a:buSzPct val="80000"/>
-              <a:buFont typeface="Wingdings 3" charset="2"/>
-              <a:buChar char=""/>
-              <a:defRPr kumimoji="1" sz="1200" kern="1200">
-                <a:solidFill>
-                  <a:schemeClr val="tx1">
-                    <a:lumMod val="75000"/>
-                    <a:lumOff val="25000"/>
-                  </a:schemeClr>
-                </a:solidFill>
-                <a:latin typeface="+mn-lt"/>
-                <a:ea typeface="+mn-ea"/>
-                <a:cs typeface="+mn-cs"/>
-              </a:defRPr>
-            </a:lvl5pPr>
-            <a:lvl6pPr marL="2514600" indent="-228600" algn="l" defTabSz="457200" rtl="0" eaLnBrk="1" latinLnBrk="0" hangingPunct="1">
-              <a:spcBef>
-                <a:spcPts val="1000"/>
-              </a:spcBef>
-              <a:spcAft>
-                <a:spcPts val="0"/>
-              </a:spcAft>
-              <a:buClr>
-                <a:schemeClr val="accent1"/>
-              </a:buClr>
-              <a:buSzPct val="80000"/>
-              <a:buFont typeface="Wingdings 3" charset="2"/>
-              <a:buChar char=""/>
-              <a:defRPr kumimoji="1" sz="1200" kern="1200">
-                <a:solidFill>
-                  <a:schemeClr val="tx1">
-                    <a:lumMod val="75000"/>
-                    <a:lumOff val="25000"/>
-                  </a:schemeClr>
-                </a:solidFill>
-                <a:latin typeface="+mn-lt"/>
-                <a:ea typeface="+mn-ea"/>
-                <a:cs typeface="+mn-cs"/>
-              </a:defRPr>
-            </a:lvl6pPr>
-            <a:lvl7pPr marL="2971800" indent="-228600" algn="l" defTabSz="457200" rtl="0" eaLnBrk="1" latinLnBrk="0" hangingPunct="1">
-              <a:spcBef>
-                <a:spcPts val="1000"/>
-              </a:spcBef>
-              <a:spcAft>
-                <a:spcPts val="0"/>
-              </a:spcAft>
-              <a:buClr>
-                <a:schemeClr val="accent1"/>
-              </a:buClr>
-              <a:buSzPct val="80000"/>
-              <a:buFont typeface="Wingdings 3" charset="2"/>
-              <a:buChar char=""/>
-              <a:defRPr kumimoji="1" sz="1200" kern="1200">
-                <a:solidFill>
-                  <a:schemeClr val="tx1">
-                    <a:lumMod val="75000"/>
-                    <a:lumOff val="25000"/>
-                  </a:schemeClr>
-                </a:solidFill>
-                <a:latin typeface="+mn-lt"/>
-                <a:ea typeface="+mn-ea"/>
-                <a:cs typeface="+mn-cs"/>
-              </a:defRPr>
-            </a:lvl7pPr>
-            <a:lvl8pPr marL="3429000" indent="-228600" algn="l" defTabSz="457200" rtl="0" eaLnBrk="1" latinLnBrk="0" hangingPunct="1">
-              <a:spcBef>
-                <a:spcPts val="1000"/>
-              </a:spcBef>
-              <a:spcAft>
-                <a:spcPts val="0"/>
-              </a:spcAft>
-              <a:buClr>
-                <a:schemeClr val="accent1"/>
-              </a:buClr>
-              <a:buSzPct val="80000"/>
-              <a:buFont typeface="Wingdings 3" charset="2"/>
-              <a:buChar char=""/>
-              <a:defRPr kumimoji="1" sz="1200" kern="1200">
-                <a:solidFill>
-                  <a:schemeClr val="tx1">
-                    <a:lumMod val="75000"/>
-                    <a:lumOff val="25000"/>
-                  </a:schemeClr>
-                </a:solidFill>
-                <a:latin typeface="+mn-lt"/>
-                <a:ea typeface="+mn-ea"/>
-                <a:cs typeface="+mn-cs"/>
-              </a:defRPr>
-            </a:lvl8pPr>
-            <a:lvl9pPr marL="3886200" indent="-228600" algn="l" defTabSz="457200" rtl="0" eaLnBrk="1" latinLnBrk="0" hangingPunct="1">
-              <a:spcBef>
-                <a:spcPts val="1000"/>
-              </a:spcBef>
-              <a:spcAft>
-                <a:spcPts val="0"/>
-              </a:spcAft>
-              <a:buClr>
-                <a:schemeClr val="accent1"/>
-              </a:buClr>
-              <a:buSzPct val="80000"/>
-              <a:buFont typeface="Wingdings 3" charset="2"/>
-              <a:buChar char=""/>
-              <a:defRPr kumimoji="1" sz="1200" kern="1200">
-                <a:solidFill>
-                  <a:schemeClr val="tx1">
-                    <a:lumMod val="75000"/>
-                    <a:lumOff val="25000"/>
-                  </a:schemeClr>
-                </a:solidFill>
-                <a:latin typeface="+mn-lt"/>
-                <a:ea typeface="+mn-ea"/>
-                <a:cs typeface="+mn-cs"/>
-              </a:defRPr>
-            </a:lvl9pPr>
-          </a:lstStyle>
-          <a:p>
-            <a:pPr marL="0" indent="0">
-              <a:buNone/>
-            </a:pPr>
-            <a:r>
-              <a:rPr lang="en-US" altLang="ja-JP" dirty="0">
-                <a:latin typeface="HGPｺﾞｼｯｸE" panose="020B0900000000000000" pitchFamily="50" charset="-128"/>
-                <a:ea typeface="HGPｺﾞｼｯｸE" panose="020B0900000000000000" pitchFamily="50" charset="-128"/>
-              </a:rPr>
-              <a:t>	【</a:t>
-            </a:r>
-            <a:r>
-              <a:rPr lang="ja-JP" altLang="en-US" dirty="0">
-                <a:latin typeface="HGPｺﾞｼｯｸE" panose="020B0900000000000000" pitchFamily="50" charset="-128"/>
-                <a:ea typeface="HGPｺﾞｼｯｸE" panose="020B0900000000000000" pitchFamily="50" charset="-128"/>
-              </a:rPr>
-              <a:t>デメリット</a:t>
-            </a:r>
-            <a:r>
-              <a:rPr lang="en-US" altLang="ja-JP" dirty="0">
-                <a:latin typeface="HGPｺﾞｼｯｸE" panose="020B0900000000000000" pitchFamily="50" charset="-128"/>
-                <a:ea typeface="HGPｺﾞｼｯｸE" panose="020B0900000000000000" pitchFamily="50" charset="-128"/>
-              </a:rPr>
-              <a:t>】</a:t>
-            </a:r>
-          </a:p>
-          <a:p>
-            <a:pPr>
-              <a:buFont typeface="Wingdings" panose="05000000000000000000" pitchFamily="2" charset="2"/>
-              <a:buChar char="n"/>
-            </a:pPr>
-            <a:r>
-              <a:rPr lang="en-US" altLang="ja-JP" dirty="0">
-                <a:latin typeface="HGPｺﾞｼｯｸE" panose="020B0900000000000000" pitchFamily="50" charset="-128"/>
-                <a:ea typeface="HGPｺﾞｼｯｸE" panose="020B0900000000000000" pitchFamily="50" charset="-128"/>
-              </a:rPr>
-              <a:t>“Is A”</a:t>
-            </a:r>
-            <a:r>
-              <a:rPr lang="ja-JP" altLang="en-US" dirty="0">
-                <a:latin typeface="HGPｺﾞｼｯｸE" panose="020B0900000000000000" pitchFamily="50" charset="-128"/>
-                <a:ea typeface="HGPｺﾞｼｯｸE" panose="020B0900000000000000" pitchFamily="50" charset="-128"/>
-              </a:rPr>
-              <a:t>ではなく、</a:t>
-            </a:r>
-            <a:r>
-              <a:rPr lang="en-US" altLang="ja-JP" dirty="0">
-                <a:latin typeface="HGPｺﾞｼｯｸE" panose="020B0900000000000000" pitchFamily="50" charset="-128"/>
-                <a:ea typeface="HGPｺﾞｼｯｸE" panose="020B0900000000000000" pitchFamily="50" charset="-128"/>
-              </a:rPr>
-              <a:t>“has A”</a:t>
-            </a:r>
-            <a:r>
-              <a:rPr lang="ja-JP" altLang="en-US" dirty="0">
-                <a:latin typeface="HGPｺﾞｼｯｸE" panose="020B0900000000000000" pitchFamily="50" charset="-128"/>
-                <a:ea typeface="HGPｺﾞｼｯｸE" panose="020B0900000000000000" pitchFamily="50" charset="-128"/>
-              </a:rPr>
-              <a:t>の関係なので、</a:t>
-            </a:r>
-            <a:r>
-              <a:rPr lang="en-US" altLang="ja-JP" dirty="0">
-                <a:latin typeface="HGPｺﾞｼｯｸE" panose="020B0900000000000000" pitchFamily="50" charset="-128"/>
-                <a:ea typeface="HGPｺﾞｼｯｸE" panose="020B0900000000000000" pitchFamily="50" charset="-128"/>
-              </a:rPr>
-              <a:t>visitor</a:t>
-            </a:r>
-            <a:r>
-              <a:rPr lang="ja-JP" altLang="en-US" dirty="0">
-                <a:latin typeface="HGPｺﾞｼｯｸE" panose="020B0900000000000000" pitchFamily="50" charset="-128"/>
-                <a:ea typeface="HGPｺﾞｼｯｸE" panose="020B0900000000000000" pitchFamily="50" charset="-128"/>
-              </a:rPr>
-              <a:t>の編集でコンパイル時間が長くなる。</a:t>
-            </a:r>
-            <a:endParaRPr lang="en-US" altLang="ja-JP" dirty="0">
-              <a:latin typeface="HGPｺﾞｼｯｸE" panose="020B0900000000000000" pitchFamily="50" charset="-128"/>
-              <a:ea typeface="HGPｺﾞｼｯｸE" panose="020B0900000000000000" pitchFamily="50" charset="-128"/>
-            </a:endParaRPr>
-          </a:p>
-          <a:p>
-            <a:pPr>
-              <a:buFont typeface="Wingdings" panose="05000000000000000000" pitchFamily="2" charset="2"/>
-              <a:buChar char="n"/>
-            </a:pPr>
-            <a:endParaRPr lang="en-US" altLang="ja-JP" dirty="0">
-              <a:latin typeface="HGPｺﾞｼｯｸE" panose="020B0900000000000000" pitchFamily="50" charset="-128"/>
-              <a:ea typeface="HGPｺﾞｼｯｸE" panose="020B0900000000000000" pitchFamily="50" charset="-128"/>
-            </a:endParaRPr>
-          </a:p>
-          <a:p>
-            <a:pPr>
-              <a:buFont typeface="Wingdings" panose="05000000000000000000" pitchFamily="2" charset="2"/>
-              <a:buChar char="n"/>
-            </a:pPr>
-            <a:endParaRPr lang="en-US" altLang="ja-JP" dirty="0">
+            <a:endParaRPr kumimoji="1" lang="ja-JP" altLang="en-US" sz="2800" dirty="0">
+              <a:solidFill>
+                <a:schemeClr val="bg2">
+                  <a:lumMod val="25000"/>
+                </a:schemeClr>
+              </a:solidFill>
               <a:latin typeface="HGPｺﾞｼｯｸE" panose="020B0900000000000000" pitchFamily="50" charset="-128"/>
               <a:ea typeface="HGPｺﾞｼｯｸE" panose="020B0900000000000000" pitchFamily="50" charset="-128"/>
             </a:endParaRPr>
@@ -16661,7 +15759,86 @@
     </p:spTree>
     <p:extLst>
       <p:ext uri="{BB962C8B-B14F-4D97-AF65-F5344CB8AC3E}">
-        <p14:creationId xmlns:p14="http://schemas.microsoft.com/office/powerpoint/2010/main" val="1112396335"/>
+        <p14:creationId xmlns:p14="http://schemas.microsoft.com/office/powerpoint/2010/main" val="1623656685"/>
+      </p:ext>
+    </p:extLst>
+  </p:cSld>
+  <p:clrMapOvr>
+    <a:masterClrMapping/>
+  </p:clrMapOvr>
+</p:sld>
+</file>
+
+<file path=ppt/slides/slide24.xml><?xml version="1.0" encoding="utf-8"?>
+<p:sld xmlns:a="http://schemas.openxmlformats.org/drawingml/2006/main" xmlns:r="http://schemas.openxmlformats.org/officeDocument/2006/relationships" xmlns:p="http://schemas.openxmlformats.org/presentationml/2006/main">
+  <p:cSld>
+    <p:spTree>
+      <p:nvGrpSpPr>
+        <p:cNvPr id="1" name=""/>
+        <p:cNvGrpSpPr/>
+        <p:nvPr/>
+      </p:nvGrpSpPr>
+      <p:grpSpPr>
+        <a:xfrm>
+          <a:off x="0" y="0"/>
+          <a:ext cx="0" cy="0"/>
+          <a:chOff x="0" y="0"/>
+          <a:chExt cx="0" cy="0"/>
+        </a:xfrm>
+      </p:grpSpPr>
+      <p:sp>
+        <p:nvSpPr>
+          <p:cNvPr id="2" name="タイトル 1">
+            <a:extLst>
+              <a:ext uri="{FF2B5EF4-FFF2-40B4-BE49-F238E27FC236}">
+                <a16:creationId xmlns:a16="http://schemas.microsoft.com/office/drawing/2014/main" id="{33F6E7E8-D5CC-4638-8CF0-340C7E6017FE}"/>
+              </a:ext>
+            </a:extLst>
+          </p:cNvPr>
+          <p:cNvSpPr>
+            <a:spLocks noGrp="1"/>
+          </p:cNvSpPr>
+          <p:nvPr>
+            <p:ph type="title"/>
+          </p:nvPr>
+        </p:nvSpPr>
+        <p:spPr>
+          <a:xfrm>
+            <a:off x="-105125" y="2476253"/>
+            <a:ext cx="12402249" cy="1905493"/>
+          </a:xfrm>
+        </p:spPr>
+        <p:txBody>
+          <a:bodyPr anchor="ctr">
+            <a:normAutofit/>
+          </a:bodyPr>
+          <a:lstStyle/>
+          <a:p>
+            <a:pPr algn="ctr"/>
+            <a:r>
+              <a:rPr lang="ja-JP" altLang="en-US" sz="5400" b="1" dirty="0">
+                <a:solidFill>
+                  <a:schemeClr val="bg2">
+                    <a:lumMod val="50000"/>
+                  </a:schemeClr>
+                </a:solidFill>
+              </a:rPr>
+              <a:t>ご清聴ありがとうございました。</a:t>
+            </a:r>
+            <a:endParaRPr kumimoji="1" lang="ja-JP" altLang="en-US" sz="5400" b="1" dirty="0">
+              <a:solidFill>
+                <a:schemeClr val="bg2">
+                  <a:lumMod val="50000"/>
+                </a:schemeClr>
+              </a:solidFill>
+            </a:endParaRPr>
+          </a:p>
+        </p:txBody>
+      </p:sp>
+    </p:spTree>
+    <p:extLst>
+      <p:ext uri="{BB962C8B-B14F-4D97-AF65-F5344CB8AC3E}">
+        <p14:creationId xmlns:p14="http://schemas.microsoft.com/office/powerpoint/2010/main" val="953870614"/>
       </p:ext>
     </p:extLst>
   </p:cSld>
